--- a/Document/Cartoonyfiy.pptx
+++ b/Document/Cartoonyfiy.pptx
@@ -5,7 +5,7 @@
     <p:sldMasterId id="2147483665" r:id="rId4"/>
   </p:sldMasterIdLst>
   <p:notesMasterIdLst>
-    <p:notesMasterId r:id="rId19"/>
+    <p:notesMasterId r:id="rId20"/>
   </p:notesMasterIdLst>
   <p:sldIdLst>
     <p:sldId id="367" r:id="rId5"/>
@@ -21,7 +21,8 @@
     <p:sldId id="376" r:id="rId15"/>
     <p:sldId id="377" r:id="rId16"/>
     <p:sldId id="349" r:id="rId17"/>
-    <p:sldId id="348" r:id="rId18"/>
+    <p:sldId id="379" r:id="rId18"/>
+    <p:sldId id="348" r:id="rId19"/>
   </p:sldIdLst>
   <p:sldSz cx="9144000" cy="5143500" type="screen16x9"/>
   <p:notesSz cx="6858000" cy="9144000"/>
@@ -2153,29 +2154,62 @@
           </a:bodyPr>
           <a:lstStyle/>
           <a:p>
-            <a:pPr marL="0" indent="0">
+            <a:pPr marL="0" marR="0" lvl="0" indent="0" algn="l" defTabSz="914400" rtl="0" eaLnBrk="1" fontAlgn="auto" latinLnBrk="0" hangingPunct="1">
+              <a:lnSpc>
+                <a:spcPct val="100000"/>
+              </a:lnSpc>
+              <a:spcBef>
+                <a:spcPts val="0"/>
+              </a:spcBef>
+              <a:spcAft>
+                <a:spcPts val="0"/>
+              </a:spcAft>
+              <a:buClr>
+                <a:srgbClr val="000000"/>
+              </a:buClr>
+              <a:buSzPts val="1100"/>
               <a:buFont typeface="Arial" panose="020B0604020202020204" pitchFamily="34" charset="0"/>
               <a:buNone/>
+              <a:tabLst>
+                <a:tab pos="0" algn="l"/>
+              </a:tabLst>
+              <a:defRPr/>
+            </a:pPr>
+            <a:r>
+              <a:rPr lang="en-US" sz="2000" b="1">
+                <a:solidFill>
+                  <a:srgbClr val="213163"/>
+                </a:solidFill>
+              </a:rPr>
+              <a:t>Reference</a:t>
+            </a:r>
+            <a:endParaRPr lang="en-US" sz="2000"/>
+          </a:p>
+          <a:p>
+            <a:pPr marL="173736" indent="-173736">
+              <a:buFont typeface="Arial" panose="020B0604020202020204" pitchFamily="34" charset="0"/>
+              <a:buChar char="•"/>
               <a:tabLst>
                 <a:tab pos="0" algn="l"/>
               </a:tabLst>
             </a:pPr>
-            <a:r>
-              <a:rPr lang="en-IN" sz="2000" b="0" spc="-1"/>
-              <a:t>thank you very much for joining</a:t>
-            </a:r>
-            <a:r>
-              <a:rPr lang="en-IN" b="0"/>
-              <a:t> this </a:t>
-            </a:r>
-            <a:r>
-              <a:rPr lang="en-IN"/>
-              <a:t>PPT</a:t>
-            </a:r>
-            <a:r>
-              <a:rPr lang="en-IN" b="0"/>
-              <a:t>, keep learning.</a:t>
-            </a:r>
+            <a:endParaRPr lang="en-IN" sz="2000" spc="-1"/>
+          </a:p>
+          <a:p>
+            <a:pPr marL="173736" indent="-173736">
+              <a:buFont typeface="Arial" panose="020B0604020202020204" pitchFamily="34" charset="0"/>
+              <a:buChar char="•"/>
+              <a:tabLst>
+                <a:tab pos="0" algn="l"/>
+              </a:tabLst>
+            </a:pPr>
+            <a:r>
+              <a:rPr lang="en-IN" sz="2000" spc="-1"/>
+              <a:t>These are the references for this session.</a:t>
+            </a:r>
+            <a:endParaRPr lang="en-IN" sz="2000" b="0" strike="noStrike" spc="-1">
+              <a:latin typeface="Arial"/>
+            </a:endParaRPr>
           </a:p>
         </p:txBody>
       </p:sp>
@@ -2214,6 +2248,149 @@
                 <a:latin typeface="Times New Roman"/>
               </a:rPr>
               <a:t>14</a:t>
+            </a:fld>
+            <a:endParaRPr lang="en-US" sz="1200" b="0" strike="noStrike" spc="-1">
+              <a:latin typeface="Times New Roman"/>
+            </a:endParaRPr>
+          </a:p>
+        </p:txBody>
+      </p:sp>
+    </p:spTree>
+    <p:extLst>
+      <p:ext uri="{BB962C8B-B14F-4D97-AF65-F5344CB8AC3E}">
+        <p14:creationId xmlns:p14="http://schemas.microsoft.com/office/powerpoint/2010/main" val="3650398000"/>
+      </p:ext>
+    </p:extLst>
+  </p:cSld>
+  <p:clrMapOvr>
+    <a:masterClrMapping/>
+  </p:clrMapOvr>
+</p:notes>
+</file>
+
+<file path=ppt/notesSlides/notesSlide5.xml><?xml version="1.0" encoding="utf-8"?>
+<p:notes xmlns:a="http://schemas.openxmlformats.org/drawingml/2006/main" xmlns:r="http://schemas.openxmlformats.org/officeDocument/2006/relationships" xmlns:p="http://schemas.openxmlformats.org/presentationml/2006/main">
+  <p:cSld>
+    <p:spTree>
+      <p:nvGrpSpPr>
+        <p:cNvPr id="1" name=""/>
+        <p:cNvGrpSpPr/>
+        <p:nvPr/>
+      </p:nvGrpSpPr>
+      <p:grpSpPr>
+        <a:xfrm>
+          <a:off x="0" y="0"/>
+          <a:ext cx="0" cy="0"/>
+          <a:chOff x="0" y="0"/>
+          <a:chExt cx="0" cy="0"/>
+        </a:xfrm>
+      </p:grpSpPr>
+      <p:sp>
+        <p:nvSpPr>
+          <p:cNvPr id="379" name="PlaceHolder 1"/>
+          <p:cNvSpPr>
+            <a:spLocks noGrp="1" noRot="1" noChangeAspect="1"/>
+          </p:cNvSpPr>
+          <p:nvPr>
+            <p:ph type="sldImg"/>
+          </p:nvPr>
+        </p:nvSpPr>
+        <p:spPr>
+          <a:xfrm>
+            <a:off x="685800" y="1143000"/>
+            <a:ext cx="5486400" cy="3086100"/>
+          </a:xfrm>
+          <a:prstGeom prst="rect">
+            <a:avLst/>
+          </a:prstGeom>
+        </p:spPr>
+      </p:sp>
+      <p:sp>
+        <p:nvSpPr>
+          <p:cNvPr id="380" name="PlaceHolder 2"/>
+          <p:cNvSpPr>
+            <a:spLocks noGrp="1"/>
+          </p:cNvSpPr>
+          <p:nvPr>
+            <p:ph type="body"/>
+          </p:nvPr>
+        </p:nvSpPr>
+        <p:spPr>
+          <a:xfrm>
+            <a:off x="685800" y="4400640"/>
+            <a:ext cx="5486040" cy="3600000"/>
+          </a:xfrm>
+          <a:prstGeom prst="rect">
+            <a:avLst/>
+          </a:prstGeom>
+        </p:spPr>
+        <p:txBody>
+          <a:bodyPr>
+            <a:noAutofit/>
+          </a:bodyPr>
+          <a:lstStyle/>
+          <a:p>
+            <a:pPr marL="0" indent="0">
+              <a:buFont typeface="Arial" panose="020B0604020202020204" pitchFamily="34" charset="0"/>
+              <a:buNone/>
+              <a:tabLst>
+                <a:tab pos="0" algn="l"/>
+              </a:tabLst>
+            </a:pPr>
+            <a:r>
+              <a:rPr lang="en-IN" sz="2000" b="0" spc="-1"/>
+              <a:t>thank you very much for joining</a:t>
+            </a:r>
+            <a:r>
+              <a:rPr lang="en-IN" b="0"/>
+              <a:t> this </a:t>
+            </a:r>
+            <a:r>
+              <a:rPr lang="en-IN"/>
+              <a:t>PPT</a:t>
+            </a:r>
+            <a:r>
+              <a:rPr lang="en-IN" b="0"/>
+              <a:t>, keep learning.</a:t>
+            </a:r>
+          </a:p>
+        </p:txBody>
+      </p:sp>
+      <p:sp>
+        <p:nvSpPr>
+          <p:cNvPr id="381" name="TextShape 3"/>
+          <p:cNvSpPr txBox="1"/>
+          <p:nvPr/>
+        </p:nvSpPr>
+        <p:spPr>
+          <a:xfrm>
+            <a:off x="3884760" y="8685360"/>
+            <a:ext cx="2971440" cy="458280"/>
+          </a:xfrm>
+          <a:prstGeom prst="rect">
+            <a:avLst/>
+          </a:prstGeom>
+          <a:noFill/>
+          <a:ln w="0">
+            <a:noFill/>
+          </a:ln>
+        </p:spPr>
+        <p:txBody>
+          <a:bodyPr anchor="b">
+            <a:noAutofit/>
+          </a:bodyPr>
+          <a:lstStyle/>
+          <a:p>
+            <a:pPr algn="r">
+              <a:lnSpc>
+                <a:spcPct val="100000"/>
+              </a:lnSpc>
+            </a:pPr>
+            <a:fld id="{E9D2A155-03D1-406C-89CB-ED7F9F0CCA44}" type="slidenum">
+              <a:rPr lang="en-IN" sz="1200" b="0" strike="noStrike" spc="-1">
+                <a:latin typeface="Times New Roman"/>
+              </a:rPr>
+              <a:t>15</a:t>
             </a:fld>
             <a:endParaRPr lang="en-US" sz="1200" b="0" strike="noStrike" spc="-1">
               <a:latin typeface="Times New Roman"/>
@@ -2797,7 +2974,7 @@
           <a:p>
             <a:fld id="{81BF06D3-496D-4060-A653-877D7024FA53}" type="datetime1">
               <a:rPr lang="en-IN" smtClean="0"/>
-              <a:t>15-11-2024</a:t>
+              <a:t>17-11-2024</a:t>
             </a:fld>
             <a:endParaRPr lang="en-US"/>
           </a:p>
@@ -10443,14 +10620,14 @@
               <a:buSzPts val="2800"/>
             </a:pPr>
             <a:r>
-              <a:rPr lang="en-US" sz="2000" b="1">
+              <a:rPr lang="en-US" sz="2000" b="1" dirty="0">
                 <a:solidFill>
                   <a:srgbClr val="213163"/>
                 </a:solidFill>
               </a:rPr>
               <a:t>Reference</a:t>
             </a:r>
-            <a:endParaRPr lang="en-US" sz="2000"/>
+            <a:endParaRPr lang="en-US" sz="2000" dirty="0"/>
           </a:p>
         </p:txBody>
       </p:sp>
@@ -10882,6 +11059,594 @@
 </file>
 
 <file path=ppt/slides/slide14.xml><?xml version="1.0" encoding="utf-8"?>
+<p:sld xmlns:a="http://schemas.openxmlformats.org/drawingml/2006/main" xmlns:r="http://schemas.openxmlformats.org/officeDocument/2006/relationships" xmlns:p="http://schemas.openxmlformats.org/presentationml/2006/main">
+  <p:cSld>
+    <p:spTree>
+      <p:nvGrpSpPr>
+        <p:cNvPr id="1" name=""/>
+        <p:cNvGrpSpPr/>
+        <p:nvPr/>
+      </p:nvGrpSpPr>
+      <p:grpSpPr>
+        <a:xfrm>
+          <a:off x="0" y="0"/>
+          <a:ext cx="0" cy="0"/>
+          <a:chOff x="0" y="0"/>
+          <a:chExt cx="0" cy="0"/>
+        </a:xfrm>
+      </p:grpSpPr>
+      <p:sp>
+        <p:nvSpPr>
+          <p:cNvPr id="2" name="Google Shape;61;g5fab984687_2_0">
+            <a:extLst>
+              <a:ext uri="{FF2B5EF4-FFF2-40B4-BE49-F238E27FC236}">
+                <a16:creationId xmlns:a16="http://schemas.microsoft.com/office/drawing/2014/main" id="{8D66D476-62A2-1223-50DE-D356C5F99B3C}"/>
+              </a:ext>
+            </a:extLst>
+          </p:cNvPr>
+          <p:cNvSpPr txBox="1">
+            <a:spLocks/>
+          </p:cNvSpPr>
+          <p:nvPr/>
+        </p:nvSpPr>
+        <p:spPr>
+          <a:xfrm>
+            <a:off x="144173" y="642794"/>
+            <a:ext cx="2936082" cy="322263"/>
+          </a:xfrm>
+          <a:prstGeom prst="rect">
+            <a:avLst/>
+          </a:prstGeom>
+          <a:noFill/>
+          <a:ln>
+            <a:noFill/>
+          </a:ln>
+        </p:spPr>
+        <p:txBody>
+          <a:bodyPr spcFirstLastPara="1" wrap="square" lIns="91425" tIns="91425" rIns="91425" bIns="91425" anchor="t" anchorCtr="0">
+            <a:noAutofit/>
+          </a:bodyPr>
+          <a:lstStyle>
+            <a:defPPr marR="0" lvl="0" algn="l" rtl="0">
+              <a:lnSpc>
+                <a:spcPct val="100000"/>
+              </a:lnSpc>
+              <a:spcBef>
+                <a:spcPts val="0"/>
+              </a:spcBef>
+              <a:spcAft>
+                <a:spcPts val="0"/>
+              </a:spcAft>
+            </a:defPPr>
+            <a:lvl1pPr marR="0" lvl="0" algn="l" rtl="0">
+              <a:lnSpc>
+                <a:spcPct val="100000"/>
+              </a:lnSpc>
+              <a:spcBef>
+                <a:spcPts val="0"/>
+              </a:spcBef>
+              <a:spcAft>
+                <a:spcPts val="0"/>
+              </a:spcAft>
+              <a:buClr>
+                <a:srgbClr val="000000"/>
+              </a:buClr>
+              <a:buFont typeface="Arial"/>
+              <a:defRPr sz="1400" b="0" i="0" u="none" strike="noStrike" cap="none">
+                <a:solidFill>
+                  <a:srgbClr val="000000"/>
+                </a:solidFill>
+                <a:latin typeface="Arial"/>
+                <a:ea typeface="Arial"/>
+                <a:cs typeface="Arial"/>
+                <a:sym typeface="Arial"/>
+              </a:defRPr>
+            </a:lvl1pPr>
+            <a:lvl2pPr marR="0" lvl="1" algn="l" rtl="0">
+              <a:lnSpc>
+                <a:spcPct val="100000"/>
+              </a:lnSpc>
+              <a:spcBef>
+                <a:spcPts val="0"/>
+              </a:spcBef>
+              <a:spcAft>
+                <a:spcPts val="0"/>
+              </a:spcAft>
+              <a:buClr>
+                <a:srgbClr val="000000"/>
+              </a:buClr>
+              <a:buFont typeface="Arial"/>
+              <a:defRPr sz="1400" b="0" i="0" u="none" strike="noStrike" cap="none">
+                <a:solidFill>
+                  <a:srgbClr val="000000"/>
+                </a:solidFill>
+                <a:latin typeface="Arial"/>
+                <a:ea typeface="Arial"/>
+                <a:cs typeface="Arial"/>
+                <a:sym typeface="Arial"/>
+              </a:defRPr>
+            </a:lvl2pPr>
+            <a:lvl3pPr marR="0" lvl="2" algn="l" rtl="0">
+              <a:lnSpc>
+                <a:spcPct val="100000"/>
+              </a:lnSpc>
+              <a:spcBef>
+                <a:spcPts val="0"/>
+              </a:spcBef>
+              <a:spcAft>
+                <a:spcPts val="0"/>
+              </a:spcAft>
+              <a:buClr>
+                <a:srgbClr val="000000"/>
+              </a:buClr>
+              <a:buFont typeface="Arial"/>
+              <a:defRPr sz="1400" b="0" i="0" u="none" strike="noStrike" cap="none">
+                <a:solidFill>
+                  <a:srgbClr val="000000"/>
+                </a:solidFill>
+                <a:latin typeface="Arial"/>
+                <a:ea typeface="Arial"/>
+                <a:cs typeface="Arial"/>
+                <a:sym typeface="Arial"/>
+              </a:defRPr>
+            </a:lvl3pPr>
+            <a:lvl4pPr marR="0" lvl="3" algn="l" rtl="0">
+              <a:lnSpc>
+                <a:spcPct val="100000"/>
+              </a:lnSpc>
+              <a:spcBef>
+                <a:spcPts val="0"/>
+              </a:spcBef>
+              <a:spcAft>
+                <a:spcPts val="0"/>
+              </a:spcAft>
+              <a:buClr>
+                <a:srgbClr val="000000"/>
+              </a:buClr>
+              <a:buFont typeface="Arial"/>
+              <a:defRPr sz="1400" b="0" i="0" u="none" strike="noStrike" cap="none">
+                <a:solidFill>
+                  <a:srgbClr val="000000"/>
+                </a:solidFill>
+                <a:latin typeface="Arial"/>
+                <a:ea typeface="Arial"/>
+                <a:cs typeface="Arial"/>
+                <a:sym typeface="Arial"/>
+              </a:defRPr>
+            </a:lvl4pPr>
+            <a:lvl5pPr marR="0" lvl="4" algn="l" rtl="0">
+              <a:lnSpc>
+                <a:spcPct val="100000"/>
+              </a:lnSpc>
+              <a:spcBef>
+                <a:spcPts val="0"/>
+              </a:spcBef>
+              <a:spcAft>
+                <a:spcPts val="0"/>
+              </a:spcAft>
+              <a:buClr>
+                <a:srgbClr val="000000"/>
+              </a:buClr>
+              <a:buFont typeface="Arial"/>
+              <a:defRPr sz="1400" b="0" i="0" u="none" strike="noStrike" cap="none">
+                <a:solidFill>
+                  <a:srgbClr val="000000"/>
+                </a:solidFill>
+                <a:latin typeface="Arial"/>
+                <a:ea typeface="Arial"/>
+                <a:cs typeface="Arial"/>
+                <a:sym typeface="Arial"/>
+              </a:defRPr>
+            </a:lvl5pPr>
+            <a:lvl6pPr marR="0" lvl="5" algn="l" rtl="0">
+              <a:lnSpc>
+                <a:spcPct val="100000"/>
+              </a:lnSpc>
+              <a:spcBef>
+                <a:spcPts val="0"/>
+              </a:spcBef>
+              <a:spcAft>
+                <a:spcPts val="0"/>
+              </a:spcAft>
+              <a:buClr>
+                <a:srgbClr val="000000"/>
+              </a:buClr>
+              <a:buFont typeface="Arial"/>
+              <a:defRPr sz="1400" b="0" i="0" u="none" strike="noStrike" cap="none">
+                <a:solidFill>
+                  <a:srgbClr val="000000"/>
+                </a:solidFill>
+                <a:latin typeface="Arial"/>
+                <a:ea typeface="Arial"/>
+                <a:cs typeface="Arial"/>
+                <a:sym typeface="Arial"/>
+              </a:defRPr>
+            </a:lvl6pPr>
+            <a:lvl7pPr marR="0" lvl="6" algn="l" rtl="0">
+              <a:lnSpc>
+                <a:spcPct val="100000"/>
+              </a:lnSpc>
+              <a:spcBef>
+                <a:spcPts val="0"/>
+              </a:spcBef>
+              <a:spcAft>
+                <a:spcPts val="0"/>
+              </a:spcAft>
+              <a:buClr>
+                <a:srgbClr val="000000"/>
+              </a:buClr>
+              <a:buFont typeface="Arial"/>
+              <a:defRPr sz="1400" b="0" i="0" u="none" strike="noStrike" cap="none">
+                <a:solidFill>
+                  <a:srgbClr val="000000"/>
+                </a:solidFill>
+                <a:latin typeface="Arial"/>
+                <a:ea typeface="Arial"/>
+                <a:cs typeface="Arial"/>
+                <a:sym typeface="Arial"/>
+              </a:defRPr>
+            </a:lvl7pPr>
+            <a:lvl8pPr marR="0" lvl="7" algn="l" rtl="0">
+              <a:lnSpc>
+                <a:spcPct val="100000"/>
+              </a:lnSpc>
+              <a:spcBef>
+                <a:spcPts val="0"/>
+              </a:spcBef>
+              <a:spcAft>
+                <a:spcPts val="0"/>
+              </a:spcAft>
+              <a:buClr>
+                <a:srgbClr val="000000"/>
+              </a:buClr>
+              <a:buFont typeface="Arial"/>
+              <a:defRPr sz="1400" b="0" i="0" u="none" strike="noStrike" cap="none">
+                <a:solidFill>
+                  <a:srgbClr val="000000"/>
+                </a:solidFill>
+                <a:latin typeface="Arial"/>
+                <a:ea typeface="Arial"/>
+                <a:cs typeface="Arial"/>
+                <a:sym typeface="Arial"/>
+              </a:defRPr>
+            </a:lvl8pPr>
+            <a:lvl9pPr marR="0" lvl="8" algn="l" rtl="0">
+              <a:lnSpc>
+                <a:spcPct val="100000"/>
+              </a:lnSpc>
+              <a:spcBef>
+                <a:spcPts val="0"/>
+              </a:spcBef>
+              <a:spcAft>
+                <a:spcPts val="0"/>
+              </a:spcAft>
+              <a:buClr>
+                <a:srgbClr val="000000"/>
+              </a:buClr>
+              <a:buFont typeface="Arial"/>
+              <a:defRPr sz="1400" b="0" i="0" u="none" strike="noStrike" cap="none">
+                <a:solidFill>
+                  <a:srgbClr val="000000"/>
+                </a:solidFill>
+                <a:latin typeface="Arial"/>
+                <a:ea typeface="Arial"/>
+                <a:cs typeface="Arial"/>
+                <a:sym typeface="Arial"/>
+              </a:defRPr>
+            </a:lvl9pPr>
+          </a:lstStyle>
+          <a:p>
+            <a:r>
+              <a:rPr lang="en-US" sz="2000" b="1" dirty="0">
+                <a:solidFill>
+                  <a:srgbClr val="213163"/>
+                </a:solidFill>
+              </a:rPr>
+              <a:t>Video of the Project</a:t>
+            </a:r>
+          </a:p>
+        </p:txBody>
+      </p:sp>
+      <p:sp>
+        <p:nvSpPr>
+          <p:cNvPr id="3" name="Google Shape;62;g5fab984687_2_0">
+            <a:extLst>
+              <a:ext uri="{FF2B5EF4-FFF2-40B4-BE49-F238E27FC236}">
+                <a16:creationId xmlns:a16="http://schemas.microsoft.com/office/drawing/2014/main" id="{AE76DA37-EEF4-E854-985B-BBFC06857B90}"/>
+              </a:ext>
+            </a:extLst>
+          </p:cNvPr>
+          <p:cNvSpPr txBox="1">
+            <a:spLocks/>
+          </p:cNvSpPr>
+          <p:nvPr/>
+        </p:nvSpPr>
+        <p:spPr>
+          <a:xfrm>
+            <a:off x="144173" y="1342699"/>
+            <a:ext cx="8572435" cy="577010"/>
+          </a:xfrm>
+          <a:prstGeom prst="rect">
+            <a:avLst/>
+          </a:prstGeom>
+          <a:noFill/>
+          <a:ln>
+            <a:noFill/>
+          </a:ln>
+        </p:spPr>
+        <p:txBody>
+          <a:bodyPr spcFirstLastPara="1" wrap="square" lIns="91425" tIns="91425" rIns="91425" bIns="91425" anchor="t" anchorCtr="0">
+            <a:noAutofit/>
+          </a:bodyPr>
+          <a:lstStyle>
+            <a:defPPr marR="0" lvl="0" algn="l" rtl="0">
+              <a:lnSpc>
+                <a:spcPct val="100000"/>
+              </a:lnSpc>
+              <a:spcBef>
+                <a:spcPts val="0"/>
+              </a:spcBef>
+              <a:spcAft>
+                <a:spcPts val="0"/>
+              </a:spcAft>
+            </a:defPPr>
+            <a:lvl1pPr marR="0" lvl="0" algn="l" rtl="0">
+              <a:lnSpc>
+                <a:spcPct val="100000"/>
+              </a:lnSpc>
+              <a:spcBef>
+                <a:spcPts val="0"/>
+              </a:spcBef>
+              <a:spcAft>
+                <a:spcPts val="0"/>
+              </a:spcAft>
+              <a:buClr>
+                <a:srgbClr val="000000"/>
+              </a:buClr>
+              <a:buFont typeface="Arial"/>
+              <a:defRPr sz="1400" b="0" i="0" u="none" strike="noStrike" cap="none">
+                <a:solidFill>
+                  <a:srgbClr val="000000"/>
+                </a:solidFill>
+                <a:latin typeface="Arial"/>
+                <a:ea typeface="Arial"/>
+                <a:cs typeface="Arial"/>
+                <a:sym typeface="Arial"/>
+              </a:defRPr>
+            </a:lvl1pPr>
+            <a:lvl2pPr marR="0" lvl="1" algn="l" rtl="0">
+              <a:lnSpc>
+                <a:spcPct val="100000"/>
+              </a:lnSpc>
+              <a:spcBef>
+                <a:spcPts val="0"/>
+              </a:spcBef>
+              <a:spcAft>
+                <a:spcPts val="0"/>
+              </a:spcAft>
+              <a:buClr>
+                <a:srgbClr val="000000"/>
+              </a:buClr>
+              <a:buFont typeface="Arial"/>
+              <a:defRPr sz="1400" b="0" i="0" u="none" strike="noStrike" cap="none">
+                <a:solidFill>
+                  <a:srgbClr val="000000"/>
+                </a:solidFill>
+                <a:latin typeface="Arial"/>
+                <a:ea typeface="Arial"/>
+                <a:cs typeface="Arial"/>
+                <a:sym typeface="Arial"/>
+              </a:defRPr>
+            </a:lvl2pPr>
+            <a:lvl3pPr marR="0" lvl="2" algn="l" rtl="0">
+              <a:lnSpc>
+                <a:spcPct val="100000"/>
+              </a:lnSpc>
+              <a:spcBef>
+                <a:spcPts val="0"/>
+              </a:spcBef>
+              <a:spcAft>
+                <a:spcPts val="0"/>
+              </a:spcAft>
+              <a:buClr>
+                <a:srgbClr val="000000"/>
+              </a:buClr>
+              <a:buFont typeface="Arial"/>
+              <a:defRPr sz="1400" b="0" i="0" u="none" strike="noStrike" cap="none">
+                <a:solidFill>
+                  <a:srgbClr val="000000"/>
+                </a:solidFill>
+                <a:latin typeface="Arial"/>
+                <a:ea typeface="Arial"/>
+                <a:cs typeface="Arial"/>
+                <a:sym typeface="Arial"/>
+              </a:defRPr>
+            </a:lvl3pPr>
+            <a:lvl4pPr marR="0" lvl="3" algn="l" rtl="0">
+              <a:lnSpc>
+                <a:spcPct val="100000"/>
+              </a:lnSpc>
+              <a:spcBef>
+                <a:spcPts val="0"/>
+              </a:spcBef>
+              <a:spcAft>
+                <a:spcPts val="0"/>
+              </a:spcAft>
+              <a:buClr>
+                <a:srgbClr val="000000"/>
+              </a:buClr>
+              <a:buFont typeface="Arial"/>
+              <a:defRPr sz="1400" b="0" i="0" u="none" strike="noStrike" cap="none">
+                <a:solidFill>
+                  <a:srgbClr val="000000"/>
+                </a:solidFill>
+                <a:latin typeface="Arial"/>
+                <a:ea typeface="Arial"/>
+                <a:cs typeface="Arial"/>
+                <a:sym typeface="Arial"/>
+              </a:defRPr>
+            </a:lvl4pPr>
+            <a:lvl5pPr marR="0" lvl="4" algn="l" rtl="0">
+              <a:lnSpc>
+                <a:spcPct val="100000"/>
+              </a:lnSpc>
+              <a:spcBef>
+                <a:spcPts val="0"/>
+              </a:spcBef>
+              <a:spcAft>
+                <a:spcPts val="0"/>
+              </a:spcAft>
+              <a:buClr>
+                <a:srgbClr val="000000"/>
+              </a:buClr>
+              <a:buFont typeface="Arial"/>
+              <a:defRPr sz="1400" b="0" i="0" u="none" strike="noStrike" cap="none">
+                <a:solidFill>
+                  <a:srgbClr val="000000"/>
+                </a:solidFill>
+                <a:latin typeface="Arial"/>
+                <a:ea typeface="Arial"/>
+                <a:cs typeface="Arial"/>
+                <a:sym typeface="Arial"/>
+              </a:defRPr>
+            </a:lvl5pPr>
+            <a:lvl6pPr marR="0" lvl="5" algn="l" rtl="0">
+              <a:lnSpc>
+                <a:spcPct val="100000"/>
+              </a:lnSpc>
+              <a:spcBef>
+                <a:spcPts val="0"/>
+              </a:spcBef>
+              <a:spcAft>
+                <a:spcPts val="0"/>
+              </a:spcAft>
+              <a:buClr>
+                <a:srgbClr val="000000"/>
+              </a:buClr>
+              <a:buFont typeface="Arial"/>
+              <a:defRPr sz="1400" b="0" i="0" u="none" strike="noStrike" cap="none">
+                <a:solidFill>
+                  <a:srgbClr val="000000"/>
+                </a:solidFill>
+                <a:latin typeface="Arial"/>
+                <a:ea typeface="Arial"/>
+                <a:cs typeface="Arial"/>
+                <a:sym typeface="Arial"/>
+              </a:defRPr>
+            </a:lvl6pPr>
+            <a:lvl7pPr marR="0" lvl="6" algn="l" rtl="0">
+              <a:lnSpc>
+                <a:spcPct val="100000"/>
+              </a:lnSpc>
+              <a:spcBef>
+                <a:spcPts val="0"/>
+              </a:spcBef>
+              <a:spcAft>
+                <a:spcPts val="0"/>
+              </a:spcAft>
+              <a:buClr>
+                <a:srgbClr val="000000"/>
+              </a:buClr>
+              <a:buFont typeface="Arial"/>
+              <a:defRPr sz="1400" b="0" i="0" u="none" strike="noStrike" cap="none">
+                <a:solidFill>
+                  <a:srgbClr val="000000"/>
+                </a:solidFill>
+                <a:latin typeface="Arial"/>
+                <a:ea typeface="Arial"/>
+                <a:cs typeface="Arial"/>
+                <a:sym typeface="Arial"/>
+              </a:defRPr>
+            </a:lvl7pPr>
+            <a:lvl8pPr marR="0" lvl="7" algn="l" rtl="0">
+              <a:lnSpc>
+                <a:spcPct val="100000"/>
+              </a:lnSpc>
+              <a:spcBef>
+                <a:spcPts val="0"/>
+              </a:spcBef>
+              <a:spcAft>
+                <a:spcPts val="0"/>
+              </a:spcAft>
+              <a:buClr>
+                <a:srgbClr val="000000"/>
+              </a:buClr>
+              <a:buFont typeface="Arial"/>
+              <a:defRPr sz="1400" b="0" i="0" u="none" strike="noStrike" cap="none">
+                <a:solidFill>
+                  <a:srgbClr val="000000"/>
+                </a:solidFill>
+                <a:latin typeface="Arial"/>
+                <a:ea typeface="Arial"/>
+                <a:cs typeface="Arial"/>
+                <a:sym typeface="Arial"/>
+              </a:defRPr>
+            </a:lvl8pPr>
+            <a:lvl9pPr marR="0" lvl="8" algn="l" rtl="0">
+              <a:lnSpc>
+                <a:spcPct val="100000"/>
+              </a:lnSpc>
+              <a:spcBef>
+                <a:spcPts val="0"/>
+              </a:spcBef>
+              <a:spcAft>
+                <a:spcPts val="0"/>
+              </a:spcAft>
+              <a:buClr>
+                <a:srgbClr val="000000"/>
+              </a:buClr>
+              <a:buFont typeface="Arial"/>
+              <a:defRPr sz="1400" b="0" i="0" u="none" strike="noStrike" cap="none">
+                <a:solidFill>
+                  <a:srgbClr val="000000"/>
+                </a:solidFill>
+                <a:latin typeface="Arial"/>
+                <a:ea typeface="Arial"/>
+                <a:cs typeface="Arial"/>
+                <a:sym typeface="Arial"/>
+              </a:defRPr>
+            </a:lvl9pPr>
+          </a:lstStyle>
+          <a:p>
+            <a:pPr lvl="1">
+              <a:lnSpc>
+                <a:spcPct val="107000"/>
+              </a:lnSpc>
+              <a:spcBef>
+                <a:spcPts val="499"/>
+              </a:spcBef>
+            </a:pPr>
+            <a:r>
+              <a:rPr lang="en-US" spc="-1" dirty="0">
+                <a:solidFill>
+                  <a:schemeClr val="tx1"/>
+                </a:solidFill>
+                <a:hlinkClick r:id="rId3"/>
+              </a:rPr>
+              <a:t>Click Here…..</a:t>
+            </a:r>
+            <a:endParaRPr lang="en-US" spc="-1" dirty="0">
+              <a:solidFill>
+                <a:schemeClr val="tx1"/>
+              </a:solidFill>
+            </a:endParaRPr>
+          </a:p>
+        </p:txBody>
+      </p:sp>
+    </p:spTree>
+    <p:extLst>
+      <p:ext uri="{BB962C8B-B14F-4D97-AF65-F5344CB8AC3E}">
+        <p14:creationId xmlns:p14="http://schemas.microsoft.com/office/powerpoint/2010/main" val="3114885159"/>
+      </p:ext>
+    </p:extLst>
+  </p:cSld>
+  <p:clrMapOvr>
+    <a:masterClrMapping/>
+  </p:clrMapOvr>
+</p:sld>
+</file>
+
+<file path=ppt/slides/slide15.xml><?xml version="1.0" encoding="utf-8"?>
 <p:sld xmlns:a="http://schemas.openxmlformats.org/drawingml/2006/main" xmlns:r="http://schemas.openxmlformats.org/officeDocument/2006/relationships" xmlns:p="http://schemas.openxmlformats.org/presentationml/2006/main">
   <p:cSld>
     <p:spTree>
@@ -13316,14 +14081,6 @@
 </file>
 
 <file path=customXml/item1.xml><?xml version="1.0" encoding="utf-8"?>
-<p:properties xmlns:p="http://schemas.microsoft.com/office/2006/metadata/properties" xmlns:xsi="http://www.w3.org/2001/XMLSchema-instance" xmlns:pc="http://schemas.microsoft.com/office/infopath/2007/PartnerControls">
-  <documentManagement>
-    <_activity xmlns="9162bd5b-4ed9-4da3-b376-05204580ba3f" xsi:nil="true"/>
-  </documentManagement>
-</p:properties>
-</file>
-
-<file path=customXml/item2.xml><?xml version="1.0" encoding="utf-8"?>
 <ct:contentTypeSchema xmlns:ct="http://schemas.microsoft.com/office/2006/metadata/contentType" xmlns:ma="http://schemas.microsoft.com/office/2006/metadata/properties/metaAttributes" ct:_="" ma:_="" ma:contentTypeName="Document" ma:contentTypeID="0x0101000F1872188ABCFC48BECA6C87E8AC3285" ma:contentTypeVersion="15" ma:contentTypeDescription="Create a new document." ma:contentTypeScope="" ma:versionID="7670618c03e54fbae4a17ecb2d0ed10f">
   <xsd:schema xmlns:xsd="http://www.w3.org/2001/XMLSchema" xmlns:xs="http://www.w3.org/2001/XMLSchema" xmlns:p="http://schemas.microsoft.com/office/2006/metadata/properties" xmlns:ns3="9162bd5b-4ed9-4da3-b376-05204580ba3f" xmlns:ns4="c0fa2617-96bd-425d-8578-e93563fe37c5" targetNamespace="http://schemas.microsoft.com/office/2006/metadata/properties" ma:root="true" ma:fieldsID="3d63de1c5a217044e31e0c8b260d3d71" ns3:_="" ns4:_="">
     <xsd:import namespace="9162bd5b-4ed9-4da3-b376-05204580ba3f"/>
@@ -13558,7 +14315,7 @@
 </ct:contentTypeSchema>
 </file>
 
-<file path=customXml/item3.xml><?xml version="1.0" encoding="utf-8"?>
+<file path=customXml/item2.xml><?xml version="1.0" encoding="utf-8"?>
 <?mso-contentType ?>
 <FormTemplates xmlns="http://schemas.microsoft.com/sharepoint/v3/contenttype/forms">
   <Display>DocumentLibraryForm</Display>
@@ -13567,24 +14324,15 @@
 </FormTemplates>
 </file>
 
-<file path=customXml/itemProps1.xml><?xml version="1.0" encoding="utf-8"?>
-<ds:datastoreItem xmlns:ds="http://schemas.openxmlformats.org/officeDocument/2006/customXml" ds:itemID="{A6559A34-456E-49A1-8157-9E3D18BFAD36}">
-  <ds:schemaRefs>
-    <ds:schemaRef ds:uri="9162bd5b-4ed9-4da3-b376-05204580ba3f"/>
-    <ds:schemaRef ds:uri="c0fa2617-96bd-425d-8578-e93563fe37c5"/>
-    <ds:schemaRef ds:uri="http://purl.org/dc/dcmitype/"/>
-    <ds:schemaRef ds:uri="http://purl.org/dc/elements/1.1/"/>
-    <ds:schemaRef ds:uri="http://purl.org/dc/terms/"/>
-    <ds:schemaRef ds:uri="http://schemas.microsoft.com/office/2006/documentManagement/types"/>
-    <ds:schemaRef ds:uri="http://schemas.microsoft.com/office/2006/metadata/properties"/>
-    <ds:schemaRef ds:uri="http://schemas.microsoft.com/office/infopath/2007/PartnerControls"/>
-    <ds:schemaRef ds:uri="http://schemas.openxmlformats.org/package/2006/metadata/core-properties"/>
-    <ds:schemaRef ds:uri="http://www.w3.org/XML/1998/namespace"/>
-  </ds:schemaRefs>
-</ds:datastoreItem>
+<file path=customXml/item3.xml><?xml version="1.0" encoding="utf-8"?>
+<p:properties xmlns:p="http://schemas.microsoft.com/office/2006/metadata/properties" xmlns:xsi="http://www.w3.org/2001/XMLSchema-instance" xmlns:pc="http://schemas.microsoft.com/office/infopath/2007/PartnerControls">
+  <documentManagement>
+    <_activity xmlns="9162bd5b-4ed9-4da3-b376-05204580ba3f" xsi:nil="true"/>
+  </documentManagement>
+</p:properties>
 </file>
 
-<file path=customXml/itemProps2.xml><?xml version="1.0" encoding="utf-8"?>
+<file path=customXml/itemProps1.xml><?xml version="1.0" encoding="utf-8"?>
 <ds:datastoreItem xmlns:ds="http://schemas.openxmlformats.org/officeDocument/2006/customXml" ds:itemID="{7D9E5D5E-A365-4A49-8140-C8CC82A61608}">
   <ds:schemaRefs>
     <ds:schemaRef ds:uri="9162bd5b-4ed9-4da3-b376-05204580ba3f"/>
@@ -13603,10 +14351,27 @@
 </ds:datastoreItem>
 </file>
 
-<file path=customXml/itemProps3.xml><?xml version="1.0" encoding="utf-8"?>
+<file path=customXml/itemProps2.xml><?xml version="1.0" encoding="utf-8"?>
 <ds:datastoreItem xmlns:ds="http://schemas.openxmlformats.org/officeDocument/2006/customXml" ds:itemID="{3706AB80-2608-47D7-8AC8-FA6BC8A9B27C}">
   <ds:schemaRefs>
     <ds:schemaRef ds:uri="http://schemas.microsoft.com/sharepoint/v3/contenttype/forms"/>
   </ds:schemaRefs>
 </ds:datastoreItem>
+</file>
+
+<file path=customXml/itemProps3.xml><?xml version="1.0" encoding="utf-8"?>
+<ds:datastoreItem xmlns:ds="http://schemas.openxmlformats.org/officeDocument/2006/customXml" ds:itemID="{A6559A34-456E-49A1-8157-9E3D18BFAD36}">
+  <ds:schemaRefs>
+    <ds:schemaRef ds:uri="9162bd5b-4ed9-4da3-b376-05204580ba3f"/>
+    <ds:schemaRef ds:uri="c0fa2617-96bd-425d-8578-e93563fe37c5"/>
+    <ds:schemaRef ds:uri="http://purl.org/dc/dcmitype/"/>
+    <ds:schemaRef ds:uri="http://purl.org/dc/elements/1.1/"/>
+    <ds:schemaRef ds:uri="http://purl.org/dc/terms/"/>
+    <ds:schemaRef ds:uri="http://schemas.microsoft.com/office/2006/documentManagement/types"/>
+    <ds:schemaRef ds:uri="http://schemas.microsoft.com/office/2006/metadata/properties"/>
+    <ds:schemaRef ds:uri="http://schemas.microsoft.com/office/infopath/2007/PartnerControls"/>
+    <ds:schemaRef ds:uri="http://schemas.openxmlformats.org/package/2006/metadata/core-properties"/>
+    <ds:schemaRef ds:uri="http://www.w3.org/XML/1998/namespace"/>
+  </ds:schemaRefs>
+</ds:datastoreItem>
 </file>